--- a/Short Talks/Architecure - Prototyping the parallel batch processor/Prototyping the parallel batch processing.pptx
+++ b/Short Talks/Architecure - Prototyping the parallel batch processor/Prototyping the parallel batch processing.pptx
@@ -5005,7 +5005,7 @@
         <p:spPr>
           <a:xfrm>
             <a:off x="838200" y="1313595"/>
-            <a:ext cx="11017023" cy="1754326"/>
+            <a:ext cx="11017023" cy="2308324"/>
           </a:xfrm>
           <a:prstGeom prst="rect">
             <a:avLst/>
@@ -5074,6 +5074,26 @@
               </a:rPr>
               <a:t>http://glinden.blogspot.com/2006/09/chubby-google-distributed-lock-manager.html</a:t>
             </a:r>
+            <a:endParaRPr lang="pl-PL" dirty="0"/>
+          </a:p>
+          <a:p>
+            <a:pPr marL="457200" indent="-457200" algn="just">
+              <a:buFont typeface="Arial" panose="020B0604020202020204" pitchFamily="34" charset="0"/>
+              <a:buChar char="•"/>
+            </a:pPr>
+            <a:r>
+              <a:rPr lang="pl-PL" dirty="0">
+                <a:hlinkClick r:id="rId6"/>
+              </a:rPr>
+              <a:t>https://zookeeper.apache.org/doc/r3.1.2/recipes.html</a:t>
+            </a:r>
+            <a:endParaRPr lang="pl-PL" dirty="0"/>
+          </a:p>
+          <a:p>
+            <a:pPr marL="457200" indent="-457200" algn="just">
+              <a:buFont typeface="Arial" panose="020B0604020202020204" pitchFamily="34" charset="0"/>
+              <a:buChar char="•"/>
+            </a:pPr>
             <a:endParaRPr lang="pl-PL" dirty="0"/>
           </a:p>
           <a:p>
